--- a/TechSolution/supported_files/опции.pptx
+++ b/TechSolution/supported_files/опции.pptx
@@ -10,6 +10,7 @@
     <p:sldId id="259" r:id="rId4"/>
     <p:sldId id="260" r:id="rId5"/>
     <p:sldId id="261" r:id="rId6"/>
+    <p:sldId id="262" r:id="rId7"/>
   </p:sldIdLst>
   <p:sldSz cx="9144000" cy="6858000" type="screen4x3"/>
   <p:notesSz cx="6858000" cy="9144000"/>
@@ -292,7 +293,7 @@
           <a:p>
             <a:fld id="{EF374465-38D8-4C95-A33A-EE44E655E59E}" type="datetimeFigureOut">
               <a:rPr lang="ru-RU" smtClean="0"/>
-              <a:t>13.07.2015</a:t>
+              <a:t>15.08.2015</a:t>
             </a:fld>
             <a:endParaRPr lang="ru-RU"/>
           </a:p>
@@ -462,7 +463,7 @@
           <a:p>
             <a:fld id="{EF374465-38D8-4C95-A33A-EE44E655E59E}" type="datetimeFigureOut">
               <a:rPr lang="ru-RU" smtClean="0"/>
-              <a:t>13.07.2015</a:t>
+              <a:t>15.08.2015</a:t>
             </a:fld>
             <a:endParaRPr lang="ru-RU"/>
           </a:p>
@@ -642,7 +643,7 @@
           <a:p>
             <a:fld id="{EF374465-38D8-4C95-A33A-EE44E655E59E}" type="datetimeFigureOut">
               <a:rPr lang="ru-RU" smtClean="0"/>
-              <a:t>13.07.2015</a:t>
+              <a:t>15.08.2015</a:t>
             </a:fld>
             <a:endParaRPr lang="ru-RU"/>
           </a:p>
@@ -812,7 +813,7 @@
           <a:p>
             <a:fld id="{EF374465-38D8-4C95-A33A-EE44E655E59E}" type="datetimeFigureOut">
               <a:rPr lang="ru-RU" smtClean="0"/>
-              <a:t>13.07.2015</a:t>
+              <a:t>15.08.2015</a:t>
             </a:fld>
             <a:endParaRPr lang="ru-RU"/>
           </a:p>
@@ -1058,7 +1059,7 @@
           <a:p>
             <a:fld id="{EF374465-38D8-4C95-A33A-EE44E655E59E}" type="datetimeFigureOut">
               <a:rPr lang="ru-RU" smtClean="0"/>
-              <a:t>13.07.2015</a:t>
+              <a:t>15.08.2015</a:t>
             </a:fld>
             <a:endParaRPr lang="ru-RU"/>
           </a:p>
@@ -1346,7 +1347,7 @@
           <a:p>
             <a:fld id="{EF374465-38D8-4C95-A33A-EE44E655E59E}" type="datetimeFigureOut">
               <a:rPr lang="ru-RU" smtClean="0"/>
-              <a:t>13.07.2015</a:t>
+              <a:t>15.08.2015</a:t>
             </a:fld>
             <a:endParaRPr lang="ru-RU"/>
           </a:p>
@@ -1768,7 +1769,7 @@
           <a:p>
             <a:fld id="{EF374465-38D8-4C95-A33A-EE44E655E59E}" type="datetimeFigureOut">
               <a:rPr lang="ru-RU" smtClean="0"/>
-              <a:t>13.07.2015</a:t>
+              <a:t>15.08.2015</a:t>
             </a:fld>
             <a:endParaRPr lang="ru-RU"/>
           </a:p>
@@ -1886,7 +1887,7 @@
           <a:p>
             <a:fld id="{EF374465-38D8-4C95-A33A-EE44E655E59E}" type="datetimeFigureOut">
               <a:rPr lang="ru-RU" smtClean="0"/>
-              <a:t>13.07.2015</a:t>
+              <a:t>15.08.2015</a:t>
             </a:fld>
             <a:endParaRPr lang="ru-RU"/>
           </a:p>
@@ -1981,7 +1982,7 @@
           <a:p>
             <a:fld id="{EF374465-38D8-4C95-A33A-EE44E655E59E}" type="datetimeFigureOut">
               <a:rPr lang="ru-RU" smtClean="0"/>
-              <a:t>13.07.2015</a:t>
+              <a:t>15.08.2015</a:t>
             </a:fld>
             <a:endParaRPr lang="ru-RU"/>
           </a:p>
@@ -2258,7 +2259,7 @@
           <a:p>
             <a:fld id="{EF374465-38D8-4C95-A33A-EE44E655E59E}" type="datetimeFigureOut">
               <a:rPr lang="ru-RU" smtClean="0"/>
-              <a:t>13.07.2015</a:t>
+              <a:t>15.08.2015</a:t>
             </a:fld>
             <a:endParaRPr lang="ru-RU"/>
           </a:p>
@@ -2511,7 +2512,7 @@
           <a:p>
             <a:fld id="{EF374465-38D8-4C95-A33A-EE44E655E59E}" type="datetimeFigureOut">
               <a:rPr lang="ru-RU" smtClean="0"/>
-              <a:t>13.07.2015</a:t>
+              <a:t>15.08.2015</a:t>
             </a:fld>
             <a:endParaRPr lang="ru-RU"/>
           </a:p>
@@ -2724,7 +2725,7 @@
           <a:p>
             <a:fld id="{EF374465-38D8-4C95-A33A-EE44E655E59E}" type="datetimeFigureOut">
               <a:rPr lang="ru-RU" smtClean="0"/>
-              <a:t>13.07.2015</a:t>
+              <a:t>15.08.2015</a:t>
             </a:fld>
             <a:endParaRPr lang="ru-RU"/>
           </a:p>
@@ -5657,6 +5658,386 @@
     <p:extLst>
       <p:ext uri="{BB962C8B-B14F-4D97-AF65-F5344CB8AC3E}">
         <p14:creationId xmlns:p14="http://schemas.microsoft.com/office/powerpoint/2010/main" val="542669978"/>
+      </p:ext>
+    </p:extLst>
+  </p:cSld>
+  <p:clrMapOvr>
+    <a:masterClrMapping/>
+  </p:clrMapOvr>
+</p:sld>
+</file>
+
+<file path=ppt/slides/slide6.xml><?xml version="1.0" encoding="utf-8"?>
+<p:sld xmlns:a="http://schemas.openxmlformats.org/drawingml/2006/main" xmlns:r="http://schemas.openxmlformats.org/officeDocument/2006/relationships" xmlns:p="http://schemas.openxmlformats.org/presentationml/2006/main">
+  <p:cSld>
+    <p:spTree>
+      <p:nvGrpSpPr>
+        <p:cNvPr id="1" name=""/>
+        <p:cNvGrpSpPr/>
+        <p:nvPr/>
+      </p:nvGrpSpPr>
+      <p:grpSpPr>
+        <a:xfrm>
+          <a:off x="0" y="0"/>
+          <a:ext cx="0" cy="0"/>
+          <a:chOff x="0" y="0"/>
+          <a:chExt cx="0" cy="0"/>
+        </a:xfrm>
+      </p:grpSpPr>
+      <p:sp>
+        <p:nvSpPr>
+          <p:cNvPr id="4" name="Овал 3"/>
+          <p:cNvSpPr/>
+          <p:nvPr/>
+        </p:nvSpPr>
+        <p:spPr>
+          <a:xfrm>
+            <a:off x="1634877" y="1125929"/>
+            <a:ext cx="1872208" cy="1602152"/>
+          </a:xfrm>
+          <a:prstGeom prst="ellipse">
+            <a:avLst/>
+          </a:prstGeom>
+          <a:noFill/>
+        </p:spPr>
+        <p:style>
+          <a:lnRef idx="2">
+            <a:schemeClr val="accent1">
+              <a:shade val="50000"/>
+            </a:schemeClr>
+          </a:lnRef>
+          <a:fillRef idx="1">
+            <a:schemeClr val="accent1"/>
+          </a:fillRef>
+          <a:effectRef idx="0">
+            <a:schemeClr val="accent1"/>
+          </a:effectRef>
+          <a:fontRef idx="minor">
+            <a:schemeClr val="lt1"/>
+          </a:fontRef>
+        </p:style>
+        <p:txBody>
+          <a:bodyPr rtlCol="0" anchor="ctr"/>
+          <a:lstStyle/>
+          <a:p>
+            <a:pPr algn="ctr"/>
+            <a:endParaRPr lang="ru-RU"/>
+          </a:p>
+        </p:txBody>
+      </p:sp>
+      <p:sp>
+        <p:nvSpPr>
+          <p:cNvPr id="5" name="Овал 4"/>
+          <p:cNvSpPr/>
+          <p:nvPr/>
+        </p:nvSpPr>
+        <p:spPr>
+          <a:xfrm>
+            <a:off x="1979712" y="3916542"/>
+            <a:ext cx="1663166" cy="1528681"/>
+          </a:xfrm>
+          <a:prstGeom prst="ellipse">
+            <a:avLst/>
+          </a:prstGeom>
+          <a:noFill/>
+        </p:spPr>
+        <p:style>
+          <a:lnRef idx="2">
+            <a:schemeClr val="accent1">
+              <a:shade val="50000"/>
+            </a:schemeClr>
+          </a:lnRef>
+          <a:fillRef idx="1">
+            <a:schemeClr val="accent1"/>
+          </a:fillRef>
+          <a:effectRef idx="0">
+            <a:schemeClr val="accent1"/>
+          </a:effectRef>
+          <a:fontRef idx="minor">
+            <a:schemeClr val="lt1"/>
+          </a:fontRef>
+        </p:style>
+        <p:txBody>
+          <a:bodyPr rtlCol="0" anchor="ctr"/>
+          <a:lstStyle/>
+          <a:p>
+            <a:pPr algn="ctr"/>
+            <a:endParaRPr lang="ru-RU"/>
+          </a:p>
+        </p:txBody>
+      </p:sp>
+      <p:cxnSp>
+        <p:nvCxnSpPr>
+          <p:cNvPr id="7" name="Прямая со стрелкой 6"/>
+          <p:cNvCxnSpPr>
+            <a:stCxn id="4" idx="4"/>
+            <a:endCxn id="5" idx="0"/>
+          </p:cNvCxnSpPr>
+          <p:nvPr/>
+        </p:nvCxnSpPr>
+        <p:spPr>
+          <a:xfrm>
+            <a:off x="2570981" y="2728081"/>
+            <a:ext cx="240314" cy="1188461"/>
+          </a:xfrm>
+          <a:prstGeom prst="straightConnector1">
+            <a:avLst/>
+          </a:prstGeom>
+          <a:ln w="57150">
+            <a:solidFill>
+              <a:srgbClr val="00B050"/>
+            </a:solidFill>
+            <a:tailEnd type="arrow"/>
+          </a:ln>
+        </p:spPr>
+        <p:style>
+          <a:lnRef idx="1">
+            <a:schemeClr val="accent1"/>
+          </a:lnRef>
+          <a:fillRef idx="0">
+            <a:schemeClr val="accent1"/>
+          </a:fillRef>
+          <a:effectRef idx="0">
+            <a:schemeClr val="accent1"/>
+          </a:effectRef>
+          <a:fontRef idx="minor">
+            <a:schemeClr val="tx1"/>
+          </a:fontRef>
+        </p:style>
+      </p:cxnSp>
+      <p:sp>
+        <p:nvSpPr>
+          <p:cNvPr id="22" name="Овал 21"/>
+          <p:cNvSpPr/>
+          <p:nvPr/>
+        </p:nvSpPr>
+        <p:spPr>
+          <a:xfrm>
+            <a:off x="6012160" y="116632"/>
+            <a:ext cx="1944216" cy="1824154"/>
+          </a:xfrm>
+          <a:prstGeom prst="ellipse">
+            <a:avLst/>
+          </a:prstGeom>
+          <a:noFill/>
+        </p:spPr>
+        <p:style>
+          <a:lnRef idx="2">
+            <a:schemeClr val="accent1">
+              <a:shade val="50000"/>
+            </a:schemeClr>
+          </a:lnRef>
+          <a:fillRef idx="1">
+            <a:schemeClr val="accent1"/>
+          </a:fillRef>
+          <a:effectRef idx="0">
+            <a:schemeClr val="accent1"/>
+          </a:effectRef>
+          <a:fontRef idx="minor">
+            <a:schemeClr val="lt1"/>
+          </a:fontRef>
+        </p:style>
+        <p:txBody>
+          <a:bodyPr rtlCol="0" anchor="ctr"/>
+          <a:lstStyle/>
+          <a:p>
+            <a:pPr algn="ctr"/>
+            <a:endParaRPr lang="ru-RU"/>
+          </a:p>
+        </p:txBody>
+      </p:sp>
+      <p:cxnSp>
+        <p:nvCxnSpPr>
+          <p:cNvPr id="25" name="Прямая со стрелкой 24"/>
+          <p:cNvCxnSpPr>
+            <a:stCxn id="22" idx="2"/>
+            <a:endCxn id="4" idx="6"/>
+          </p:cNvCxnSpPr>
+          <p:nvPr/>
+        </p:nvCxnSpPr>
+        <p:spPr>
+          <a:xfrm flipH="1">
+            <a:off x="3507085" y="1028709"/>
+            <a:ext cx="2505075" cy="898296"/>
+          </a:xfrm>
+          <a:prstGeom prst="straightConnector1">
+            <a:avLst/>
+          </a:prstGeom>
+          <a:ln w="57150">
+            <a:solidFill>
+              <a:srgbClr val="00B050"/>
+            </a:solidFill>
+            <a:tailEnd type="arrow"/>
+          </a:ln>
+        </p:spPr>
+        <p:style>
+          <a:lnRef idx="1">
+            <a:schemeClr val="accent1"/>
+          </a:lnRef>
+          <a:fillRef idx="0">
+            <a:schemeClr val="accent1"/>
+          </a:fillRef>
+          <a:effectRef idx="0">
+            <a:schemeClr val="accent1"/>
+          </a:effectRef>
+          <a:fontRef idx="minor">
+            <a:schemeClr val="tx1"/>
+          </a:fontRef>
+        </p:style>
+      </p:cxnSp>
+      <p:cxnSp>
+        <p:nvCxnSpPr>
+          <p:cNvPr id="8" name="Прямая соединительная линия 7"/>
+          <p:cNvCxnSpPr>
+            <a:stCxn id="5" idx="6"/>
+          </p:cNvCxnSpPr>
+          <p:nvPr/>
+        </p:nvCxnSpPr>
+        <p:spPr>
+          <a:xfrm flipV="1">
+            <a:off x="3642878" y="1654761"/>
+            <a:ext cx="2661110" cy="3026122"/>
+          </a:xfrm>
+          <a:prstGeom prst="line">
+            <a:avLst/>
+          </a:prstGeom>
+          <a:ln w="57150">
+            <a:solidFill>
+              <a:srgbClr val="00B050"/>
+            </a:solidFill>
+            <a:prstDash val="sysDot"/>
+            <a:tailEnd type="arrow"/>
+          </a:ln>
+        </p:spPr>
+        <p:style>
+          <a:lnRef idx="1">
+            <a:schemeClr val="accent1"/>
+          </a:lnRef>
+          <a:fillRef idx="0">
+            <a:schemeClr val="accent1"/>
+          </a:fillRef>
+          <a:effectRef idx="0">
+            <a:schemeClr val="accent1"/>
+          </a:effectRef>
+          <a:fontRef idx="minor">
+            <a:schemeClr val="tx1"/>
+          </a:fontRef>
+        </p:style>
+      </p:cxnSp>
+      <p:sp>
+        <p:nvSpPr>
+          <p:cNvPr id="16" name="TextBox 15"/>
+          <p:cNvSpPr txBox="1"/>
+          <p:nvPr/>
+        </p:nvSpPr>
+        <p:spPr>
+          <a:xfrm>
+            <a:off x="1761175" y="1410764"/>
+            <a:ext cx="1370888" cy="523220"/>
+          </a:xfrm>
+          <a:prstGeom prst="rect">
+            <a:avLst/>
+          </a:prstGeom>
+          <a:noFill/>
+        </p:spPr>
+        <p:txBody>
+          <a:bodyPr wrap="none" rtlCol="0">
+            <a:spAutoFit/>
+          </a:bodyPr>
+          <a:lstStyle/>
+          <a:p>
+            <a:r>
+              <a:rPr lang="en-US" sz="2800" dirty="0" smtClean="0"/>
+              <a:t>SMS100</a:t>
+            </a:r>
+            <a:endParaRPr lang="ru-RU" sz="2800" dirty="0"/>
+          </a:p>
+        </p:txBody>
+      </p:sp>
+      <p:sp>
+        <p:nvSpPr>
+          <p:cNvPr id="34" name="TextBox 33"/>
+          <p:cNvSpPr txBox="1"/>
+          <p:nvPr/>
+        </p:nvSpPr>
+        <p:spPr>
+          <a:xfrm>
+            <a:off x="6169365" y="338634"/>
+            <a:ext cx="1234633" cy="1077218"/>
+          </a:xfrm>
+          <a:prstGeom prst="rect">
+            <a:avLst/>
+          </a:prstGeom>
+          <a:noFill/>
+        </p:spPr>
+        <p:txBody>
+          <a:bodyPr wrap="none" rtlCol="0">
+            <a:spAutoFit/>
+          </a:bodyPr>
+          <a:lstStyle/>
+          <a:p>
+            <a:r>
+              <a:rPr lang="en-US" sz="3200" dirty="0" smtClean="0"/>
+              <a:t>SMS</a:t>
+            </a:r>
+          </a:p>
+          <a:p>
+            <a:r>
+              <a:rPr lang="ru-RU" sz="3200" dirty="0" smtClean="0"/>
+              <a:t>пакет</a:t>
+            </a:r>
+            <a:r>
+              <a:rPr lang="en-US" sz="3200" dirty="0"/>
+              <a:t> </a:t>
+            </a:r>
+            <a:endParaRPr lang="ru-RU" sz="3200" dirty="0"/>
+          </a:p>
+        </p:txBody>
+      </p:sp>
+      <p:sp>
+        <p:nvSpPr>
+          <p:cNvPr id="40" name="TextBox 39"/>
+          <p:cNvSpPr txBox="1"/>
+          <p:nvPr/>
+        </p:nvSpPr>
+        <p:spPr>
+          <a:xfrm>
+            <a:off x="2104131" y="4142273"/>
+            <a:ext cx="1539204" cy="1077218"/>
+          </a:xfrm>
+          <a:prstGeom prst="rect">
+            <a:avLst/>
+          </a:prstGeom>
+          <a:noFill/>
+        </p:spPr>
+        <p:txBody>
+          <a:bodyPr wrap="none" rtlCol="0">
+            <a:spAutoFit/>
+          </a:bodyPr>
+          <a:lstStyle/>
+          <a:p>
+            <a:r>
+              <a:rPr lang="en-US" sz="3200" dirty="0" smtClean="0"/>
+              <a:t>SMS100</a:t>
+            </a:r>
+          </a:p>
+          <a:p>
+            <a:r>
+              <a:rPr lang="en-US" sz="3200" dirty="0" smtClean="0"/>
+              <a:t>PLUS</a:t>
+            </a:r>
+            <a:r>
+              <a:rPr lang="en-US" sz="3200" dirty="0"/>
+              <a:t> </a:t>
+            </a:r>
+            <a:endParaRPr lang="ru-RU" sz="3200" dirty="0"/>
+          </a:p>
+        </p:txBody>
+      </p:sp>
+    </p:spTree>
+    <p:extLst>
+      <p:ext uri="{BB962C8B-B14F-4D97-AF65-F5344CB8AC3E}">
+        <p14:creationId xmlns:p14="http://schemas.microsoft.com/office/powerpoint/2010/main" val="3614509369"/>
       </p:ext>
     </p:extLst>
   </p:cSld>
